--- a/img/life-cycle.pptx
+++ b/img/life-cycle.pptx
@@ -288,7 +288,7 @@
           <a:p>
             <a:fld id="{62115278-EF53-43E0-A118-C702D966A9A4}" type="datetimeFigureOut">
               <a:rPr lang="zh-CN" altLang="en-US" smtClean="0"/>
-              <a:t>2016/9/11</a:t>
+              <a:t>2017/2/6</a:t>
             </a:fld>
             <a:endParaRPr lang="zh-CN" altLang="en-US"/>
           </a:p>
@@ -458,7 +458,7 @@
           <a:p>
             <a:fld id="{62115278-EF53-43E0-A118-C702D966A9A4}" type="datetimeFigureOut">
               <a:rPr lang="zh-CN" altLang="en-US" smtClean="0"/>
-              <a:t>2016/9/11</a:t>
+              <a:t>2017/2/6</a:t>
             </a:fld>
             <a:endParaRPr lang="zh-CN" altLang="en-US"/>
           </a:p>
@@ -638,7 +638,7 @@
           <a:p>
             <a:fld id="{62115278-EF53-43E0-A118-C702D966A9A4}" type="datetimeFigureOut">
               <a:rPr lang="zh-CN" altLang="en-US" smtClean="0"/>
-              <a:t>2016/9/11</a:t>
+              <a:t>2017/2/6</a:t>
             </a:fld>
             <a:endParaRPr lang="zh-CN" altLang="en-US"/>
           </a:p>
@@ -808,7 +808,7 @@
           <a:p>
             <a:fld id="{62115278-EF53-43E0-A118-C702D966A9A4}" type="datetimeFigureOut">
               <a:rPr lang="zh-CN" altLang="en-US" smtClean="0"/>
-              <a:t>2016/9/11</a:t>
+              <a:t>2017/2/6</a:t>
             </a:fld>
             <a:endParaRPr lang="zh-CN" altLang="en-US"/>
           </a:p>
@@ -1054,7 +1054,7 @@
           <a:p>
             <a:fld id="{62115278-EF53-43E0-A118-C702D966A9A4}" type="datetimeFigureOut">
               <a:rPr lang="zh-CN" altLang="en-US" smtClean="0"/>
-              <a:t>2016/9/11</a:t>
+              <a:t>2017/2/6</a:t>
             </a:fld>
             <a:endParaRPr lang="zh-CN" altLang="en-US"/>
           </a:p>
@@ -1342,7 +1342,7 @@
           <a:p>
             <a:fld id="{62115278-EF53-43E0-A118-C702D966A9A4}" type="datetimeFigureOut">
               <a:rPr lang="zh-CN" altLang="en-US" smtClean="0"/>
-              <a:t>2016/9/11</a:t>
+              <a:t>2017/2/6</a:t>
             </a:fld>
             <a:endParaRPr lang="zh-CN" altLang="en-US"/>
           </a:p>
@@ -1764,7 +1764,7 @@
           <a:p>
             <a:fld id="{62115278-EF53-43E0-A118-C702D966A9A4}" type="datetimeFigureOut">
               <a:rPr lang="zh-CN" altLang="en-US" smtClean="0"/>
-              <a:t>2016/9/11</a:t>
+              <a:t>2017/2/6</a:t>
             </a:fld>
             <a:endParaRPr lang="zh-CN" altLang="en-US"/>
           </a:p>
@@ -1882,7 +1882,7 @@
           <a:p>
             <a:fld id="{62115278-EF53-43E0-A118-C702D966A9A4}" type="datetimeFigureOut">
               <a:rPr lang="zh-CN" altLang="en-US" smtClean="0"/>
-              <a:t>2016/9/11</a:t>
+              <a:t>2017/2/6</a:t>
             </a:fld>
             <a:endParaRPr lang="zh-CN" altLang="en-US"/>
           </a:p>
@@ -1977,7 +1977,7 @@
           <a:p>
             <a:fld id="{62115278-EF53-43E0-A118-C702D966A9A4}" type="datetimeFigureOut">
               <a:rPr lang="zh-CN" altLang="en-US" smtClean="0"/>
-              <a:t>2016/9/11</a:t>
+              <a:t>2017/2/6</a:t>
             </a:fld>
             <a:endParaRPr lang="zh-CN" altLang="en-US"/>
           </a:p>
@@ -2254,7 +2254,7 @@
           <a:p>
             <a:fld id="{62115278-EF53-43E0-A118-C702D966A9A4}" type="datetimeFigureOut">
               <a:rPr lang="zh-CN" altLang="en-US" smtClean="0"/>
-              <a:t>2016/9/11</a:t>
+              <a:t>2017/2/6</a:t>
             </a:fld>
             <a:endParaRPr lang="zh-CN" altLang="en-US"/>
           </a:p>
@@ -2507,7 +2507,7 @@
           <a:p>
             <a:fld id="{62115278-EF53-43E0-A118-C702D966A9A4}" type="datetimeFigureOut">
               <a:rPr lang="zh-CN" altLang="en-US" smtClean="0"/>
-              <a:t>2016/9/11</a:t>
+              <a:t>2017/2/6</a:t>
             </a:fld>
             <a:endParaRPr lang="zh-CN" altLang="en-US"/>
           </a:p>
@@ -2720,7 +2720,7 @@
           <a:p>
             <a:fld id="{62115278-EF53-43E0-A118-C702D966A9A4}" type="datetimeFigureOut">
               <a:rPr lang="zh-CN" altLang="en-US" smtClean="0"/>
-              <a:t>2016/9/11</a:t>
+              <a:t>2017/2/6</a:t>
             </a:fld>
             <a:endParaRPr lang="zh-CN" altLang="en-US"/>
           </a:p>
@@ -3103,7 +3103,7 @@
         </p:nvSpPr>
         <p:spPr>
           <a:xfrm>
-            <a:off x="2998317" y="321716"/>
+            <a:off x="2998317" y="404664"/>
             <a:ext cx="648072" cy="288032"/>
           </a:xfrm>
           <a:prstGeom prst="roundRect">
@@ -3205,7 +3205,7 @@
         </p:nvSpPr>
         <p:spPr>
           <a:xfrm>
-            <a:off x="2714785" y="1532353"/>
+            <a:off x="2714785" y="1484784"/>
             <a:ext cx="1219636" cy="337829"/>
           </a:xfrm>
           <a:prstGeom prst="roundRect">
@@ -3264,8 +3264,8 @@
         </p:nvCxnSpPr>
         <p:spPr>
           <a:xfrm>
-            <a:off x="3322353" y="609748"/>
-            <a:ext cx="4501" cy="260738"/>
+            <a:off x="3322353" y="692696"/>
+            <a:ext cx="4501" cy="177790"/>
           </a:xfrm>
           <a:prstGeom prst="straightConnector1">
             <a:avLst/>
@@ -3355,7 +3355,7 @@
         </p:nvSpPr>
         <p:spPr>
           <a:xfrm>
-            <a:off x="4556990" y="2420888"/>
+            <a:off x="4556990" y="2564904"/>
             <a:ext cx="1224139" cy="325234"/>
           </a:xfrm>
           <a:prstGeom prst="roundRect">
@@ -3407,7 +3407,7 @@
         </p:nvSpPr>
         <p:spPr>
           <a:xfrm>
-            <a:off x="7390805" y="527867"/>
+            <a:off x="7452320" y="2301614"/>
             <a:ext cx="605935" cy="307777"/>
           </a:xfrm>
           <a:prstGeom prst="rect">
@@ -3455,7 +3455,7 @@
         <p:spPr>
           <a:xfrm flipH="1">
             <a:off x="3324603" y="1257820"/>
-            <a:ext cx="2251" cy="274533"/>
+            <a:ext cx="2251" cy="226964"/>
           </a:xfrm>
           <a:prstGeom prst="straightConnector1">
             <a:avLst/>
@@ -3526,48 +3526,6 @@
           </a:fontRef>
         </p:style>
       </p:cxnSp>
-      <p:cxnSp>
-        <p:nvCxnSpPr>
-          <p:cNvPr id="47" name="直接箭头连接符 46"/>
-          <p:cNvCxnSpPr>
-            <a:stCxn id="9" idx="2"/>
-            <a:endCxn id="116" idx="0"/>
-          </p:cNvCxnSpPr>
-          <p:nvPr/>
-        </p:nvCxnSpPr>
-        <p:spPr>
-          <a:xfrm>
-            <a:off x="5169060" y="1233068"/>
-            <a:ext cx="2644" cy="904774"/>
-          </a:xfrm>
-          <a:prstGeom prst="straightConnector1">
-            <a:avLst/>
-          </a:prstGeom>
-          <a:ln w="19050">
-            <a:solidFill>
-              <a:schemeClr val="bg1">
-                <a:lumMod val="65000"/>
-              </a:schemeClr>
-            </a:solidFill>
-            <a:headEnd type="none" w="med" len="med"/>
-            <a:tailEnd type="triangle" w="med" len="med"/>
-          </a:ln>
-        </p:spPr>
-        <p:style>
-          <a:lnRef idx="1">
-            <a:schemeClr val="accent1"/>
-          </a:lnRef>
-          <a:fillRef idx="0">
-            <a:schemeClr val="accent1"/>
-          </a:fillRef>
-          <a:effectRef idx="0">
-            <a:schemeClr val="accent1"/>
-          </a:effectRef>
-          <a:fontRef idx="minor">
-            <a:schemeClr val="tx1"/>
-          </a:fontRef>
-        </p:style>
-      </p:cxnSp>
       <p:sp>
         <p:nvSpPr>
           <p:cNvPr id="50" name="圆角矩形 49"/>
@@ -3576,7 +3534,7 @@
         </p:nvSpPr>
         <p:spPr>
           <a:xfrm>
-            <a:off x="4556993" y="2993648"/>
+            <a:off x="4556993" y="3137664"/>
             <a:ext cx="1224136" cy="337831"/>
           </a:xfrm>
           <a:prstGeom prst="roundRect">
@@ -3628,7 +3586,7 @@
         </p:nvSpPr>
         <p:spPr>
           <a:xfrm>
-            <a:off x="4556993" y="3595225"/>
+            <a:off x="4556993" y="3739241"/>
             <a:ext cx="1224136" cy="337831"/>
           </a:xfrm>
           <a:prstGeom prst="roundRect">
@@ -3683,7 +3641,7 @@
         </p:nvCxnSpPr>
         <p:spPr>
           <a:xfrm>
-            <a:off x="5169060" y="2746122"/>
+            <a:off x="5169060" y="2890138"/>
             <a:ext cx="1" cy="247526"/>
           </a:xfrm>
           <a:prstGeom prst="straightConnector1">
@@ -3725,7 +3683,7 @@
         </p:nvCxnSpPr>
         <p:spPr>
           <a:xfrm>
-            <a:off x="5169061" y="3331479"/>
+            <a:off x="5169061" y="3475495"/>
             <a:ext cx="0" cy="263746"/>
           </a:xfrm>
           <a:prstGeom prst="straightConnector1">
@@ -3764,7 +3722,7 @@
         </p:nvCxnSpPr>
         <p:spPr>
           <a:xfrm>
-            <a:off x="2714785" y="681756"/>
+            <a:off x="2704292" y="2466443"/>
             <a:ext cx="4676020" cy="0"/>
           </a:xfrm>
           <a:prstGeom prst="line">
@@ -3803,7 +3761,7 @@
         </p:nvCxnSpPr>
         <p:spPr>
           <a:xfrm>
-            <a:off x="2719286" y="1977900"/>
+            <a:off x="2719286" y="1916832"/>
             <a:ext cx="4676020" cy="0"/>
           </a:xfrm>
           <a:prstGeom prst="line">
@@ -3842,7 +3800,7 @@
         </p:nvSpPr>
         <p:spPr>
           <a:xfrm>
-            <a:off x="7390805" y="1824011"/>
+            <a:off x="7390805" y="1753071"/>
             <a:ext cx="858055" cy="307777"/>
           </a:xfrm>
           <a:prstGeom prst="rect">
@@ -3886,7 +3844,7 @@
         </p:nvCxnSpPr>
         <p:spPr>
           <a:xfrm>
-            <a:off x="2719286" y="3429000"/>
+            <a:off x="2719286" y="3573016"/>
             <a:ext cx="4676020" cy="0"/>
           </a:xfrm>
           <a:prstGeom prst="line">
@@ -3925,7 +3883,7 @@
         </p:nvCxnSpPr>
         <p:spPr>
           <a:xfrm>
-            <a:off x="2719286" y="4005064"/>
+            <a:off x="2719286" y="4149080"/>
             <a:ext cx="4676020" cy="0"/>
           </a:xfrm>
           <a:prstGeom prst="line">
@@ -3964,7 +3922,7 @@
         </p:nvSpPr>
         <p:spPr>
           <a:xfrm>
-            <a:off x="7429250" y="3265239"/>
+            <a:off x="7429250" y="3409255"/>
             <a:ext cx="738151" cy="307777"/>
           </a:xfrm>
           <a:prstGeom prst="rect">
@@ -4008,7 +3966,7 @@
         </p:nvSpPr>
         <p:spPr>
           <a:xfrm>
-            <a:off x="7429250" y="3841303"/>
+            <a:off x="7429250" y="3985319"/>
             <a:ext cx="827471" cy="307777"/>
           </a:xfrm>
           <a:prstGeom prst="rect">
@@ -4052,7 +4010,7 @@
         </p:nvSpPr>
         <p:spPr>
           <a:xfrm>
-            <a:off x="3250353" y="4293096"/>
+            <a:off x="5102053" y="4340818"/>
             <a:ext cx="144000" cy="144000"/>
           </a:xfrm>
           <a:prstGeom prst="flowChartConnector">
@@ -4097,14 +4055,14 @@
           <p:cNvPr id="74" name="直接箭头连接符 73"/>
           <p:cNvCxnSpPr>
             <a:stCxn id="6" idx="2"/>
-            <a:endCxn id="73" idx="0"/>
+            <a:endCxn id="48" idx="0"/>
           </p:cNvCxnSpPr>
           <p:nvPr/>
         </p:nvCxnSpPr>
         <p:spPr>
-          <a:xfrm flipH="1">
-            <a:off x="3322353" y="1870182"/>
-            <a:ext cx="2250" cy="2422914"/>
+          <a:xfrm>
+            <a:off x="3324603" y="1822613"/>
+            <a:ext cx="4501" cy="251031"/>
           </a:xfrm>
           <a:prstGeom prst="straightConnector1">
             <a:avLst/>
@@ -4134,47 +4092,6 @@
           </a:fontRef>
         </p:style>
       </p:cxnSp>
-      <p:cxnSp>
-        <p:nvCxnSpPr>
-          <p:cNvPr id="78" name="肘形连接符 77"/>
-          <p:cNvCxnSpPr>
-            <a:stCxn id="51" idx="2"/>
-          </p:cNvCxnSpPr>
-          <p:nvPr/>
-        </p:nvCxnSpPr>
-        <p:spPr>
-          <a:xfrm rot="5400000">
-            <a:off x="4139948" y="3119963"/>
-            <a:ext cx="216020" cy="1842207"/>
-          </a:xfrm>
-          <a:prstGeom prst="bentConnector2">
-            <a:avLst/>
-          </a:prstGeom>
-          <a:ln w="19050">
-            <a:solidFill>
-              <a:schemeClr val="bg1">
-                <a:lumMod val="65000"/>
-              </a:schemeClr>
-            </a:solidFill>
-            <a:headEnd type="none" w="med" len="med"/>
-            <a:tailEnd type="triangle" w="med" len="med"/>
-          </a:ln>
-        </p:spPr>
-        <p:style>
-          <a:lnRef idx="1">
-            <a:schemeClr val="accent1"/>
-          </a:lnRef>
-          <a:fillRef idx="0">
-            <a:schemeClr val="accent1"/>
-          </a:fillRef>
-          <a:effectRef idx="0">
-            <a:schemeClr val="accent1"/>
-          </a:effectRef>
-          <a:fontRef idx="minor">
-            <a:schemeClr val="tx1"/>
-          </a:fontRef>
-        </p:style>
-      </p:cxnSp>
       <p:sp>
         <p:nvSpPr>
           <p:cNvPr id="82" name="圆角矩形 81"/>
@@ -4183,7 +4100,7 @@
         </p:nvSpPr>
         <p:spPr>
           <a:xfrm>
-            <a:off x="4556990" y="4365104"/>
+            <a:off x="4556990" y="4556236"/>
             <a:ext cx="1224136" cy="337831"/>
           </a:xfrm>
           <a:prstGeom prst="roundRect">
@@ -4239,7 +4156,7 @@
         </p:nvSpPr>
         <p:spPr>
           <a:xfrm>
-            <a:off x="4556990" y="4894068"/>
+            <a:off x="4556990" y="5085200"/>
             <a:ext cx="1224136" cy="337831"/>
           </a:xfrm>
           <a:prstGeom prst="roundRect">
@@ -4294,7 +4211,7 @@
         </p:nvCxnSpPr>
         <p:spPr>
           <a:xfrm>
-            <a:off x="5169058" y="4702935"/>
+            <a:off x="5169058" y="4894067"/>
             <a:ext cx="0" cy="191133"/>
           </a:xfrm>
           <a:prstGeom prst="straightConnector1">
@@ -4333,7 +4250,7 @@
         </p:nvCxnSpPr>
         <p:spPr>
           <a:xfrm>
-            <a:off x="2714785" y="5326116"/>
+            <a:off x="2714785" y="5517248"/>
             <a:ext cx="4676020" cy="0"/>
           </a:xfrm>
           <a:prstGeom prst="line">
@@ -4372,7 +4289,7 @@
         </p:nvSpPr>
         <p:spPr>
           <a:xfrm>
-            <a:off x="7462813" y="5166149"/>
+            <a:off x="7462813" y="5357281"/>
             <a:ext cx="867610" cy="307777"/>
           </a:xfrm>
           <a:prstGeom prst="rect">
@@ -4416,7 +4333,7 @@
         </p:nvSpPr>
         <p:spPr>
           <a:xfrm>
-            <a:off x="6085660" y="4894068"/>
+            <a:off x="6085660" y="5085200"/>
             <a:ext cx="1224136" cy="337831"/>
           </a:xfrm>
           <a:prstGeom prst="roundRect">
@@ -4468,7 +4385,7 @@
         </p:nvSpPr>
         <p:spPr>
           <a:xfrm>
-            <a:off x="6085660" y="4365104"/>
+            <a:off x="6085660" y="4556236"/>
             <a:ext cx="1224136" cy="337831"/>
           </a:xfrm>
           <a:prstGeom prst="roundRect">
@@ -4527,7 +4444,7 @@
         </p:nvCxnSpPr>
         <p:spPr>
           <a:xfrm>
-            <a:off x="6697728" y="4702935"/>
+            <a:off x="6697728" y="4894067"/>
             <a:ext cx="0" cy="191133"/>
           </a:xfrm>
           <a:prstGeom prst="straightConnector1">
@@ -4566,7 +4483,7 @@
         </p:nvSpPr>
         <p:spPr>
           <a:xfrm>
-            <a:off x="6085660" y="5473926"/>
+            <a:off x="6085660" y="5665058"/>
             <a:ext cx="1224136" cy="337831"/>
           </a:xfrm>
           <a:prstGeom prst="roundRect">
@@ -4621,7 +4538,7 @@
         </p:nvCxnSpPr>
         <p:spPr>
           <a:xfrm>
-            <a:off x="6697728" y="5231899"/>
+            <a:off x="6697728" y="5423031"/>
             <a:ext cx="0" cy="242027"/>
           </a:xfrm>
           <a:prstGeom prst="straightConnector1">
@@ -4660,7 +4577,7 @@
         </p:nvCxnSpPr>
         <p:spPr>
           <a:xfrm>
-            <a:off x="2714785" y="5918131"/>
+            <a:off x="2714785" y="6109263"/>
             <a:ext cx="4676020" cy="0"/>
           </a:xfrm>
           <a:prstGeom prst="line">
@@ -4699,7 +4616,7 @@
         </p:nvSpPr>
         <p:spPr>
           <a:xfrm>
-            <a:off x="7462813" y="5758164"/>
+            <a:off x="7462813" y="5949296"/>
             <a:ext cx="835485" cy="307777"/>
           </a:xfrm>
           <a:prstGeom prst="rect">
@@ -4743,7 +4660,7 @@
         </p:nvSpPr>
         <p:spPr>
           <a:xfrm>
-            <a:off x="6625728" y="6190212"/>
+            <a:off x="6625728" y="6237312"/>
             <a:ext cx="144000" cy="144000"/>
           </a:xfrm>
           <a:prstGeom prst="flowChartConnector">
@@ -4791,7 +4708,7 @@
         </p:nvSpPr>
         <p:spPr>
           <a:xfrm>
-            <a:off x="5097058" y="5570841"/>
+            <a:off x="5097058" y="5661248"/>
             <a:ext cx="144000" cy="144000"/>
           </a:xfrm>
           <a:prstGeom prst="flowChartConnector">
@@ -4842,8 +4759,8 @@
         </p:nvCxnSpPr>
         <p:spPr>
           <a:xfrm>
-            <a:off x="5169058" y="5231899"/>
-            <a:ext cx="0" cy="338942"/>
+            <a:off x="5169058" y="5423031"/>
+            <a:ext cx="0" cy="238217"/>
           </a:xfrm>
           <a:prstGeom prst="straightConnector1">
             <a:avLst/>
@@ -4884,8 +4801,8 @@
         </p:nvCxnSpPr>
         <p:spPr>
           <a:xfrm>
-            <a:off x="6697728" y="5811757"/>
-            <a:ext cx="0" cy="378455"/>
+            <a:off x="6697728" y="6002889"/>
+            <a:ext cx="0" cy="234423"/>
           </a:xfrm>
           <a:prstGeom prst="straightConnector1">
             <a:avLst/>
@@ -4923,7 +4840,7 @@
         </p:nvSpPr>
         <p:spPr>
           <a:xfrm>
-            <a:off x="5099704" y="2137842"/>
+            <a:off x="3254854" y="2636928"/>
             <a:ext cx="144000" cy="144000"/>
           </a:xfrm>
           <a:prstGeom prst="flowChartConnector">
@@ -4963,6 +4880,184 @@
           </a:p>
         </p:txBody>
       </p:sp>
+      <p:sp>
+        <p:nvSpPr>
+          <p:cNvPr id="48" name="圆角矩形 47"/>
+          <p:cNvSpPr/>
+          <p:nvPr/>
+        </p:nvSpPr>
+        <p:spPr>
+          <a:xfrm>
+            <a:off x="2719286" y="2073644"/>
+            <a:ext cx="1219636" cy="337829"/>
+          </a:xfrm>
+          <a:prstGeom prst="roundRect">
+            <a:avLst/>
+          </a:prstGeom>
+          <a:solidFill>
+            <a:srgbClr val="00B0F0"/>
+          </a:solidFill>
+          <a:ln>
+            <a:solidFill>
+              <a:schemeClr val="bg1"/>
+            </a:solidFill>
+          </a:ln>
+        </p:spPr>
+        <p:style>
+          <a:lnRef idx="2">
+            <a:schemeClr val="accent1">
+              <a:shade val="50000"/>
+            </a:schemeClr>
+          </a:lnRef>
+          <a:fillRef idx="1">
+            <a:schemeClr val="accent1"/>
+          </a:fillRef>
+          <a:effectRef idx="0">
+            <a:schemeClr val="accent1"/>
+          </a:effectRef>
+          <a:fontRef idx="minor">
+            <a:schemeClr val="lt1"/>
+          </a:fontRef>
+        </p:style>
+        <p:txBody>
+          <a:bodyPr rtlCol="0" anchor="ctr"/>
+          <a:lstStyle/>
+          <a:p>
+            <a:pPr algn="ctr"/>
+            <a:r>
+              <a:rPr lang="en-US" altLang="zh-CN" sz="1400" dirty="0" err="1" smtClean="0"/>
+              <a:t>init</a:t>
+            </a:r>
+            <a:r>
+              <a:rPr lang="en-US" altLang="zh-CN" sz="1400" dirty="0" smtClean="0"/>
+              <a:t> data</a:t>
+            </a:r>
+            <a:endParaRPr lang="zh-CN" altLang="en-US" sz="1400" dirty="0"/>
+          </a:p>
+        </p:txBody>
+      </p:sp>
+      <p:cxnSp>
+        <p:nvCxnSpPr>
+          <p:cNvPr id="52" name="肘形连接符 51"/>
+          <p:cNvCxnSpPr>
+            <a:stCxn id="9" idx="2"/>
+          </p:cNvCxnSpPr>
+          <p:nvPr/>
+        </p:nvCxnSpPr>
+        <p:spPr>
+          <a:xfrm rot="5400000">
+            <a:off x="4044809" y="1127181"/>
+            <a:ext cx="1018365" cy="1230138"/>
+          </a:xfrm>
+          <a:prstGeom prst="bentConnector2">
+            <a:avLst/>
+          </a:prstGeom>
+          <a:ln w="19050">
+            <a:solidFill>
+              <a:schemeClr val="bg1">
+                <a:lumMod val="65000"/>
+              </a:schemeClr>
+            </a:solidFill>
+            <a:headEnd type="none" w="med" len="med"/>
+            <a:tailEnd type="triangle" w="med" len="med"/>
+          </a:ln>
+        </p:spPr>
+        <p:style>
+          <a:lnRef idx="1">
+            <a:schemeClr val="accent1"/>
+          </a:lnRef>
+          <a:fillRef idx="0">
+            <a:schemeClr val="accent1"/>
+          </a:fillRef>
+          <a:effectRef idx="0">
+            <a:schemeClr val="accent1"/>
+          </a:effectRef>
+          <a:fontRef idx="minor">
+            <a:schemeClr val="tx1"/>
+          </a:fontRef>
+        </p:style>
+      </p:cxnSp>
+      <p:cxnSp>
+        <p:nvCxnSpPr>
+          <p:cNvPr id="53" name="直接箭头连接符 52"/>
+          <p:cNvCxnSpPr>
+            <a:stCxn id="48" idx="2"/>
+            <a:endCxn id="116" idx="0"/>
+          </p:cNvCxnSpPr>
+          <p:nvPr/>
+        </p:nvCxnSpPr>
+        <p:spPr>
+          <a:xfrm flipH="1">
+            <a:off x="3326854" y="2411473"/>
+            <a:ext cx="2250" cy="225455"/>
+          </a:xfrm>
+          <a:prstGeom prst="straightConnector1">
+            <a:avLst/>
+          </a:prstGeom>
+          <a:ln w="19050">
+            <a:solidFill>
+              <a:schemeClr val="bg1">
+                <a:lumMod val="65000"/>
+              </a:schemeClr>
+            </a:solidFill>
+            <a:headEnd type="none" w="med" len="med"/>
+            <a:tailEnd type="triangle" w="med" len="med"/>
+          </a:ln>
+        </p:spPr>
+        <p:style>
+          <a:lnRef idx="1">
+            <a:schemeClr val="accent1"/>
+          </a:lnRef>
+          <a:fillRef idx="0">
+            <a:schemeClr val="accent1"/>
+          </a:fillRef>
+          <a:effectRef idx="0">
+            <a:schemeClr val="accent1"/>
+          </a:effectRef>
+          <a:fontRef idx="minor">
+            <a:schemeClr val="tx1"/>
+          </a:fontRef>
+        </p:style>
+      </p:cxnSp>
+      <p:cxnSp>
+        <p:nvCxnSpPr>
+          <p:cNvPr id="56" name="直接箭头连接符 55"/>
+          <p:cNvCxnSpPr/>
+          <p:nvPr/>
+        </p:nvCxnSpPr>
+        <p:spPr>
+          <a:xfrm>
+            <a:off x="5169061" y="4077072"/>
+            <a:ext cx="0" cy="263746"/>
+          </a:xfrm>
+          <a:prstGeom prst="straightConnector1">
+            <a:avLst/>
+          </a:prstGeom>
+          <a:ln w="19050">
+            <a:solidFill>
+              <a:schemeClr val="bg1">
+                <a:lumMod val="65000"/>
+              </a:schemeClr>
+            </a:solidFill>
+            <a:headEnd type="none" w="med" len="med"/>
+            <a:tailEnd type="triangle" w="med" len="med"/>
+          </a:ln>
+        </p:spPr>
+        <p:style>
+          <a:lnRef idx="1">
+            <a:schemeClr val="accent1"/>
+          </a:lnRef>
+          <a:fillRef idx="0">
+            <a:schemeClr val="accent1"/>
+          </a:fillRef>
+          <a:effectRef idx="0">
+            <a:schemeClr val="accent1"/>
+          </a:effectRef>
+          <a:fontRef idx="minor">
+            <a:schemeClr val="tx1"/>
+          </a:fontRef>
+        </p:style>
+      </p:cxnSp>
     </p:spTree>
     <p:extLst>
       <p:ext uri="{BB962C8B-B14F-4D97-AF65-F5344CB8AC3E}">
